--- a/JS_Basic/4_JSforLoop.pptx
+++ b/JS_Basic/4_JSforLoop.pptx
@@ -5,18 +5,17 @@
     <p:sldMasterId id="2147483648" r:id="rId1"/>
   </p:sldMasterIdLst>
   <p:notesMasterIdLst>
-    <p:notesMasterId r:id="rId11"/>
+    <p:notesMasterId r:id="rId10"/>
   </p:notesMasterIdLst>
   <p:sldIdLst>
     <p:sldId id="287" r:id="rId2"/>
     <p:sldId id="288" r:id="rId3"/>
     <p:sldId id="295" r:id="rId4"/>
     <p:sldId id="289" r:id="rId5"/>
-    <p:sldId id="294" r:id="rId6"/>
-    <p:sldId id="290" r:id="rId7"/>
-    <p:sldId id="291" r:id="rId8"/>
-    <p:sldId id="292" r:id="rId9"/>
-    <p:sldId id="293" r:id="rId10"/>
+    <p:sldId id="291" r:id="rId6"/>
+    <p:sldId id="297" r:id="rId7"/>
+    <p:sldId id="296" r:id="rId8"/>
+    <p:sldId id="293" r:id="rId9"/>
   </p:sldIdLst>
   <p:sldSz cx="9144000" cy="6858000" type="screen4x3"/>
   <p:notesSz cx="6858000" cy="9144000"/>
@@ -200,7 +199,7 @@
           <a:p>
             <a:fld id="{73139663-B41A-4322-9FA5-32D776E297AB}" type="datetimeFigureOut">
               <a:rPr lang="zh-TW" altLang="en-US" smtClean="0"/>
-              <a:t>2018/2/2</a:t>
+              <a:t>2019/3/27</a:t>
             </a:fld>
             <a:endParaRPr lang="zh-TW" altLang="en-US"/>
           </a:p>
@@ -733,7 +732,7 @@
           <a:p>
             <a:fld id="{93FCF5C9-79AB-40FF-B23B-4ADA07998EAC}" type="datetime1">
               <a:rPr lang="zh-TW" altLang="en-US" smtClean="0"/>
-              <a:t>2018/2/2</a:t>
+              <a:t>2019/3/27</a:t>
             </a:fld>
             <a:endParaRPr lang="zh-TW" altLang="en-US"/>
           </a:p>
@@ -903,7 +902,7 @@
           <a:p>
             <a:fld id="{C15356CC-59C4-4A29-9700-F1B01FE0BDA6}" type="datetime1">
               <a:rPr lang="zh-TW" altLang="en-US" smtClean="0"/>
-              <a:t>2018/2/2</a:t>
+              <a:t>2019/3/27</a:t>
             </a:fld>
             <a:endParaRPr lang="zh-TW" altLang="en-US"/>
           </a:p>
@@ -1083,7 +1082,7 @@
           <a:p>
             <a:fld id="{9AE594C7-993D-4438-AA6F-CBE23DFB4270}" type="datetime1">
               <a:rPr lang="zh-TW" altLang="en-US" smtClean="0"/>
-              <a:t>2018/2/2</a:t>
+              <a:t>2019/3/27</a:t>
             </a:fld>
             <a:endParaRPr lang="zh-TW" altLang="en-US"/>
           </a:p>
@@ -1253,7 +1252,7 @@
           <a:p>
             <a:fld id="{D450D2CF-1167-43D6-909A-0C28B0F59C72}" type="datetime1">
               <a:rPr lang="zh-TW" altLang="en-US" smtClean="0"/>
-              <a:t>2018/2/2</a:t>
+              <a:t>2019/3/27</a:t>
             </a:fld>
             <a:endParaRPr lang="zh-TW" altLang="en-US"/>
           </a:p>
@@ -1506,7 +1505,7 @@
           <a:p>
             <a:fld id="{1C9A7FD2-AB59-4151-946A-CC608882B58E}" type="datetime1">
               <a:rPr lang="zh-TW" altLang="en-US" smtClean="0"/>
-              <a:t>2018/2/2</a:t>
+              <a:t>2019/3/27</a:t>
             </a:fld>
             <a:endParaRPr lang="zh-TW" altLang="en-US"/>
           </a:p>
@@ -1794,7 +1793,7 @@
           <a:p>
             <a:fld id="{D40BB12C-FF78-4F61-8FE6-616AC9AC73A7}" type="datetime1">
               <a:rPr lang="zh-TW" altLang="en-US" smtClean="0"/>
-              <a:t>2018/2/2</a:t>
+              <a:t>2019/3/27</a:t>
             </a:fld>
             <a:endParaRPr lang="zh-TW" altLang="en-US"/>
           </a:p>
@@ -2216,7 +2215,7 @@
           <a:p>
             <a:fld id="{AF7468AE-CE6D-47B8-9ACB-739E99C0A9C7}" type="datetime1">
               <a:rPr lang="zh-TW" altLang="en-US" smtClean="0"/>
-              <a:t>2018/2/2</a:t>
+              <a:t>2019/3/27</a:t>
             </a:fld>
             <a:endParaRPr lang="zh-TW" altLang="en-US"/>
           </a:p>
@@ -2334,7 +2333,7 @@
           <a:p>
             <a:fld id="{AD744EAB-4D85-41E6-9F62-245800E68770}" type="datetime1">
               <a:rPr lang="zh-TW" altLang="en-US" smtClean="0"/>
-              <a:t>2018/2/2</a:t>
+              <a:t>2019/3/27</a:t>
             </a:fld>
             <a:endParaRPr lang="zh-TW" altLang="en-US"/>
           </a:p>
@@ -2429,7 +2428,7 @@
           <a:p>
             <a:fld id="{CA6C9E1E-774D-4EAC-9D99-BE8865244E73}" type="datetime1">
               <a:rPr lang="zh-TW" altLang="en-US" smtClean="0"/>
-              <a:t>2018/2/2</a:t>
+              <a:t>2019/3/27</a:t>
             </a:fld>
             <a:endParaRPr lang="zh-TW" altLang="en-US"/>
           </a:p>
@@ -2706,7 +2705,7 @@
           <a:p>
             <a:fld id="{A6222D0A-CEA4-40AB-A293-7F7490CFFD26}" type="datetime1">
               <a:rPr lang="zh-TW" altLang="en-US" smtClean="0"/>
-              <a:t>2018/2/2</a:t>
+              <a:t>2019/3/27</a:t>
             </a:fld>
             <a:endParaRPr lang="zh-TW" altLang="en-US"/>
           </a:p>
@@ -2959,7 +2958,7 @@
           <a:p>
             <a:fld id="{633AEC37-E449-4919-BB29-FECB6FC261E4}" type="datetime1">
               <a:rPr lang="zh-TW" altLang="en-US" smtClean="0"/>
-              <a:t>2018/2/2</a:t>
+              <a:t>2019/3/27</a:t>
             </a:fld>
             <a:endParaRPr lang="zh-TW" altLang="en-US"/>
           </a:p>
@@ -3172,7 +3171,7 @@
           <a:p>
             <a:fld id="{D833F157-DD56-4172-ACB5-7841F7A4BD76}" type="datetime1">
               <a:rPr lang="zh-TW" altLang="en-US" smtClean="0"/>
-              <a:t>2018/2/2</a:t>
+              <a:t>2019/3/27</a:t>
             </a:fld>
             <a:endParaRPr lang="zh-TW" altLang="en-US"/>
           </a:p>
@@ -4401,10 +4400,6 @@
               <a:rPr lang="en-US" altLang="zh-TW" dirty="0"/>
               <a:t>) {</a:t>
             </a:r>
-            <a:r>
-              <a:rPr lang="en-US" altLang="zh-TW" dirty="0"/>
-              <a:t/>
-            </a:r>
             <a:br>
               <a:rPr lang="en-US" altLang="zh-TW" dirty="0"/>
             </a:br>
@@ -4819,7 +4814,7 @@
         </p:nvSpPr>
         <p:spPr>
           <a:xfrm>
-            <a:off x="351069" y="116632"/>
+            <a:off x="395536" y="260648"/>
             <a:ext cx="8183880" cy="1051560"/>
           </a:xfrm>
         </p:spPr>
@@ -4827,23 +4822,23 @@
           <a:bodyPr/>
           <a:lstStyle/>
           <a:p>
-            <a:pPr algn="ctr"/>
-            <a:r>
-              <a:rPr lang="zh-TW" altLang="en-US" dirty="0" smtClean="0"/>
-              <a:t>  </a:t>
-            </a:r>
-            <a:r>
-              <a:rPr lang="en-US" altLang="zh-TW" dirty="0" smtClean="0"/>
-              <a:t>for </a:t>
-            </a:r>
-            <a:r>
-              <a:rPr lang="zh-TW" altLang="en-US" dirty="0" smtClean="0"/>
-              <a:t>迴圈</a:t>
-            </a:r>
-            <a:r>
-              <a:rPr lang="zh-TW" altLang="en-US" dirty="0"/>
-              <a:t>入門範例</a:t>
-            </a:r>
+            <a:r>
+              <a:rPr lang="zh-TW" altLang="en-US" dirty="0" smtClean="0"/>
+              <a:t> </a:t>
+            </a:r>
+            <a:r>
+              <a:rPr lang="zh-TW" altLang="en-US" dirty="0" smtClean="0"/>
+              <a:t>迴圈與</a:t>
+            </a:r>
+            <a:r>
+              <a:rPr lang="en-US" altLang="zh-TW" dirty="0" smtClean="0"/>
+              <a:t>HTML</a:t>
+            </a:r>
+            <a:r>
+              <a:rPr lang="zh-TW" altLang="en-US" dirty="0" smtClean="0"/>
+              <a:t> 配合應用</a:t>
+            </a:r>
+            <a:endParaRPr lang="zh-TW" altLang="en-US" dirty="0"/>
           </a:p>
         </p:txBody>
       </p:sp>
@@ -4859,90 +4854,129 @@
         </p:nvSpPr>
         <p:spPr>
           <a:xfrm>
-            <a:off x="357988" y="1340768"/>
-            <a:ext cx="8229600" cy="4608413"/>
+            <a:off x="468313" y="1412875"/>
+            <a:ext cx="8229600" cy="2160141"/>
           </a:xfrm>
         </p:spPr>
         <p:txBody>
           <a:bodyPr>
-            <a:normAutofit lnSpcReduction="10000"/>
+            <a:normAutofit/>
           </a:bodyPr>
           <a:lstStyle/>
           <a:p>
+            <a:r>
+              <a:rPr lang="zh-TW" altLang="en-US" dirty="0" smtClean="0"/>
+              <a:t>呈現</a:t>
+            </a:r>
+            <a:r>
+              <a:rPr lang="en-US" altLang="zh-TW" dirty="0" smtClean="0"/>
+              <a:t>List </a:t>
+            </a:r>
+            <a:r>
+              <a:rPr lang="zh-TW" altLang="en-US" dirty="0" smtClean="0"/>
+              <a:t>條列資料</a:t>
+            </a:r>
+            <a:endParaRPr lang="en-US" altLang="zh-TW" dirty="0" smtClean="0"/>
+          </a:p>
+          <a:p>
             <a:pPr lvl="1"/>
+            <a:r>
+              <a:rPr lang="zh-TW" altLang="en-US" dirty="0" smtClean="0"/>
+              <a:t>在 </a:t>
+            </a:r>
+            <a:r>
+              <a:rPr lang="en-US" altLang="zh-TW" dirty="0" err="1" smtClean="0"/>
+              <a:t>ul</a:t>
+            </a:r>
+            <a:r>
+              <a:rPr lang="en-US" altLang="zh-TW" dirty="0" smtClean="0"/>
+              <a:t> or </a:t>
+            </a:r>
+            <a:r>
+              <a:rPr lang="en-US" altLang="zh-TW" dirty="0" err="1" smtClean="0"/>
+              <a:t>ol</a:t>
+            </a:r>
+            <a:r>
+              <a:rPr lang="en-US" altLang="zh-TW" dirty="0" smtClean="0"/>
+              <a:t> </a:t>
+            </a:r>
+            <a:r>
+              <a:rPr lang="zh-TW" altLang="en-US" dirty="0" smtClean="0"/>
+              <a:t>當中迴圈插入 </a:t>
+            </a:r>
+            <a:r>
+              <a:rPr lang="en-US" altLang="zh-TW" dirty="0" smtClean="0"/>
+              <a:t>li</a:t>
+            </a:r>
+            <a:r>
+              <a:rPr lang="zh-TW" altLang="en-US" dirty="0" smtClean="0"/>
+              <a:t> 標籤</a:t>
+            </a:r>
             <a:endParaRPr lang="en-US" altLang="zh-TW" dirty="0" smtClean="0"/>
           </a:p>
           <a:p>
-            <a:r>
-              <a:rPr lang="en-US" altLang="zh-TW" dirty="0" smtClean="0"/>
-              <a:t>※</a:t>
-            </a:r>
-            <a:r>
-              <a:rPr lang="zh-TW" altLang="en-US" dirty="0"/>
-              <a:t>等比數列</a:t>
-            </a:r>
-            <a:r>
-              <a:rPr lang="en-US" altLang="zh-TW" dirty="0" smtClean="0"/>
-              <a:t>:</a:t>
-            </a:r>
-          </a:p>
-          <a:p>
             <a:pPr lvl="1"/>
             <a:r>
-              <a:rPr lang="zh-TW" altLang="en-US" dirty="0" smtClean="0"/>
-              <a:t>如果數列 </a:t>
-            </a:r>
-            <a:r>
-              <a:rPr lang="en-US" altLang="zh-TW" dirty="0" smtClean="0"/>
-              <a:t>a </a:t>
-            </a:r>
-            <a:r>
-              <a:rPr lang="zh-TW" altLang="en-US" dirty="0" smtClean="0"/>
-              <a:t>每一</a:t>
-            </a:r>
-            <a:r>
-              <a:rPr lang="zh-TW" altLang="en-US" dirty="0"/>
-              <a:t>項與其前一項的比值都是一個常數 </a:t>
-            </a:r>
+              <a:rPr lang="en-US" altLang="zh-TW" dirty="0" err="1" smtClean="0"/>
+              <a:t>ul</a:t>
+            </a:r>
+            <a:r>
+              <a:rPr lang="en-US" altLang="zh-TW" dirty="0" smtClean="0"/>
+              <a:t> </a:t>
+            </a:r>
+            <a:r>
+              <a:rPr lang="en-US" altLang="zh-TW" dirty="0" err="1" smtClean="0"/>
+              <a:t>ui</a:t>
+            </a:r>
+            <a:r>
+              <a:rPr lang="en-US" altLang="zh-TW" dirty="0" smtClean="0"/>
+              <a:t> </a:t>
+            </a:r>
+            <a:r>
+              <a:rPr lang="zh-TW" altLang="en-US" dirty="0" smtClean="0"/>
+              <a:t>標籤說明</a:t>
+            </a:r>
+            <a:endParaRPr lang="en-US" altLang="zh-TW" dirty="0" smtClean="0"/>
+          </a:p>
+          <a:p>
+            <a:pPr lvl="2"/>
             <a:r>
               <a:rPr lang="en-US" altLang="zh-TW" dirty="0"/>
-              <a:t>r</a:t>
-            </a:r>
-            <a:r>
-              <a:rPr lang="zh-TW" altLang="en-US" dirty="0"/>
-              <a:t>（</a:t>
+              <a:t>http://</a:t>
+            </a:r>
+            <a:r>
+              <a:rPr lang="en-US" altLang="zh-TW" dirty="0" err="1"/>
+              <a:t>www.wibibi.com</a:t>
             </a:r>
             <a:r>
               <a:rPr lang="en-US" altLang="zh-TW" dirty="0"/>
-              <a:t>r≠0</a:t>
-            </a:r>
-            <a:r>
-              <a:rPr lang="zh-TW" altLang="en-US" dirty="0"/>
-              <a:t>），則稱此數</a:t>
-            </a:r>
-            <a:r>
-              <a:rPr lang="zh-TW" altLang="en-US" dirty="0" smtClean="0"/>
-              <a:t>列為</a:t>
-            </a:r>
-            <a:r>
-              <a:rPr lang="zh-TW" altLang="en-US" dirty="0"/>
-              <a:t>等比</a:t>
-            </a:r>
-            <a:r>
-              <a:rPr lang="zh-TW" altLang="en-US" dirty="0" smtClean="0"/>
-              <a:t>數列，</a:t>
+              <a:t>/</a:t>
+            </a:r>
+            <a:r>
+              <a:rPr lang="en-US" altLang="zh-TW" dirty="0" err="1"/>
+              <a:t>info.php?tid</a:t>
             </a:r>
             <a:r>
               <a:rPr lang="en-US" altLang="zh-TW" dirty="0"/>
-              <a:t>r </a:t>
-            </a:r>
-            <a:r>
-              <a:rPr lang="zh-TW" altLang="en-US" dirty="0"/>
-              <a:t>為公比</a:t>
-            </a:r>
-            <a:r>
-              <a:rPr lang="zh-TW" altLang="en-US" dirty="0" smtClean="0"/>
-              <a:t>。</a:t>
+              <a:t>=350</a:t>
+            </a:r>
+          </a:p>
+          <a:p>
+            <a:r>
+              <a:rPr lang="zh-TW" altLang="en-US" dirty="0" smtClean="0"/>
+              <a:t>呈現 </a:t>
+            </a:r>
+            <a:r>
+              <a:rPr lang="zh-TW" altLang="en-US" dirty="0" smtClean="0"/>
+              <a:t> </a:t>
+            </a:r>
+            <a:r>
+              <a:rPr lang="en-US" altLang="zh-TW" dirty="0" smtClean="0"/>
+              <a:t>table</a:t>
+            </a:r>
+            <a:r>
+              <a:rPr lang="zh-TW" altLang="en-US" dirty="0" smtClean="0"/>
+              <a:t> 資料</a:t>
             </a:r>
             <a:endParaRPr lang="en-US" altLang="zh-TW" dirty="0" smtClean="0"/>
           </a:p>
@@ -4950,11 +4984,11 @@
             <a:pPr lvl="1"/>
             <a:r>
               <a:rPr lang="zh-TW" altLang="en-US" dirty="0" smtClean="0"/>
-              <a:t>即</a:t>
-            </a:r>
-            <a:r>
-              <a:rPr lang="en-US" altLang="zh-TW" dirty="0" smtClean="0"/>
-              <a:t>:</a:t>
+              <a:t>在 </a:t>
+            </a:r>
+            <a:r>
+              <a:rPr lang="en-US" altLang="zh-TW" dirty="0" smtClean="0"/>
+              <a:t>HTML</a:t>
             </a:r>
             <a:r>
               <a:rPr lang="zh-TW" altLang="en-US" dirty="0" smtClean="0"/>
@@ -4962,75 +4996,62 @@
             </a:r>
             <a:r>
               <a:rPr lang="en-US" altLang="zh-TW" dirty="0" smtClean="0"/>
-              <a:t>a, </a:t>
+              <a:t>table </a:t>
+            </a:r>
+            <a:r>
+              <a:rPr lang="zh-TW" altLang="en-US" dirty="0" smtClean="0"/>
+              <a:t>當中插入 </a:t>
             </a:r>
             <a:r>
               <a:rPr lang="en-US" altLang="zh-TW" dirty="0" err="1" smtClean="0"/>
-              <a:t>ar</a:t>
-            </a:r>
-            <a:r>
-              <a:rPr lang="en-US" altLang="zh-TW" dirty="0" smtClean="0"/>
-              <a:t>, </a:t>
-            </a:r>
-            <a:r>
-              <a:rPr lang="en-US" altLang="zh-TW" dirty="0" err="1" smtClean="0"/>
-              <a:t>arr</a:t>
-            </a:r>
-            <a:r>
-              <a:rPr lang="en-US" altLang="zh-TW" dirty="0" smtClean="0"/>
-              <a:t>, </a:t>
-            </a:r>
-            <a:r>
-              <a:rPr lang="en-US" altLang="zh-TW" dirty="0" err="1" smtClean="0"/>
-              <a:t>arrr</a:t>
-            </a:r>
-            <a:r>
-              <a:rPr lang="en-US" altLang="zh-TW" dirty="0" smtClean="0"/>
-              <a:t>….</a:t>
-            </a:r>
-            <a:endParaRPr lang="en-US" altLang="zh-TW" dirty="0"/>
-          </a:p>
-          <a:p>
-            <a:pPr lvl="1"/>
-            <a:endParaRPr lang="zh-TW" altLang="en-US" dirty="0" smtClean="0"/>
-          </a:p>
-          <a:p>
-            <a:pPr lvl="1"/>
-            <a:r>
-              <a:rPr lang="en-US" altLang="zh-TW" dirty="0" smtClean="0"/>
-              <a:t>※</a:t>
-            </a:r>
-            <a:r>
-              <a:rPr lang="zh-TW" altLang="en-US" dirty="0"/>
-              <a:t>級數</a:t>
-            </a:r>
-            <a:r>
-              <a:rPr lang="en-US" altLang="zh-TW" dirty="0"/>
-              <a:t>: </a:t>
-            </a:r>
-            <a:r>
-              <a:rPr lang="zh-TW" altLang="en-US" dirty="0"/>
-              <a:t>給了一個</a:t>
-            </a:r>
-            <a:r>
-              <a:rPr lang="zh-TW" altLang="en-US" dirty="0" smtClean="0"/>
-              <a:t>數列用</a:t>
-            </a:r>
-            <a:r>
-              <a:rPr lang="zh-TW" altLang="en-US" dirty="0"/>
-              <a:t>加號把各項連起來：</a:t>
-            </a:r>
-          </a:p>
-          <a:p>
-            <a:pPr lvl="1"/>
-            <a:endParaRPr lang="zh-TW" altLang="en-US" dirty="0"/>
+              <a:t>tr</a:t>
+            </a:r>
+            <a:r>
+              <a:rPr lang="en-US" altLang="zh-TW" dirty="0" smtClean="0"/>
+              <a:t>(</a:t>
+            </a:r>
+            <a:r>
+              <a:rPr lang="zh-TW" altLang="en-US" dirty="0" smtClean="0"/>
+              <a:t>列</a:t>
+            </a:r>
+            <a:r>
+              <a:rPr lang="en-US" altLang="zh-TW" dirty="0" smtClean="0"/>
+              <a:t>)</a:t>
+            </a:r>
+            <a:r>
+              <a:rPr lang="zh-TW" altLang="en-US" dirty="0" smtClean="0"/>
+              <a:t>、</a:t>
+            </a:r>
+            <a:r>
+              <a:rPr lang="en-US" altLang="zh-TW" dirty="0" smtClean="0"/>
+              <a:t> td(</a:t>
+            </a:r>
+            <a:r>
+              <a:rPr lang="zh-TW" altLang="en-US" dirty="0" smtClean="0"/>
+              <a:t>格</a:t>
+            </a:r>
+            <a:r>
+              <a:rPr lang="en-US" altLang="zh-TW" dirty="0" smtClean="0"/>
+              <a:t>)</a:t>
+            </a:r>
+            <a:r>
+              <a:rPr lang="zh-TW" altLang="en-US" dirty="0" smtClean="0"/>
+              <a:t> 標籤</a:t>
+            </a:r>
+            <a:endParaRPr lang="en-US" altLang="zh-TW" dirty="0" smtClean="0"/>
+          </a:p>
+          <a:p>
+            <a:endParaRPr lang="en-US" altLang="zh-TW" dirty="0" smtClean="0"/>
+          </a:p>
+          <a:p>
+            <a:endParaRPr lang="en-US" altLang="zh-TW" dirty="0" smtClean="0"/>
           </a:p>
         </p:txBody>
       </p:sp>
     </p:spTree>
     <p:extLst>
       <p:ext uri="{BB962C8B-B14F-4D97-AF65-F5344CB8AC3E}">
-        <p14:creationId xmlns:p14="http://schemas.microsoft.com/office/powerpoint/2010/main" val="2823308225"/>
+        <p14:creationId xmlns:p14="http://schemas.microsoft.com/office/powerpoint/2010/main" val="3228470479"/>
       </p:ext>
     </p:extLst>
   </p:cSld>
@@ -5077,7 +5098,7 @@
         <p:spPr>
           <a:xfrm>
             <a:off x="395536" y="260648"/>
-            <a:ext cx="8183880" cy="1051560"/>
+            <a:ext cx="8640960" cy="1051560"/>
           </a:xfrm>
         </p:spPr>
         <p:txBody>
@@ -5086,20 +5107,41 @@
           <a:p>
             <a:r>
               <a:rPr lang="zh-TW" altLang="en-US" dirty="0" smtClean="0"/>
-              <a:t>  </a:t>
-            </a:r>
-            <a:r>
-              <a:rPr lang="en-US" altLang="zh-TW" dirty="0" smtClean="0"/>
-              <a:t>for </a:t>
-            </a:r>
-            <a:r>
-              <a:rPr lang="zh-TW" altLang="en-US" dirty="0" smtClean="0"/>
-              <a:t>迴圈</a:t>
-            </a:r>
-            <a:r>
-              <a:rPr lang="zh-TW" altLang="en-US" dirty="0"/>
-              <a:t>入門範例</a:t>
-            </a:r>
+              <a:t> </a:t>
+            </a:r>
+            <a:r>
+              <a:rPr lang="en-US" altLang="zh-TW" dirty="0" err="1"/>
+              <a:t>ul</a:t>
+            </a:r>
+            <a:r>
+              <a:rPr lang="en-US" altLang="zh-TW" dirty="0"/>
+              <a:t> </a:t>
+            </a:r>
+            <a:r>
+              <a:rPr lang="zh-TW" altLang="en-US" dirty="0" smtClean="0"/>
+              <a:t>、</a:t>
+            </a:r>
+            <a:r>
+              <a:rPr lang="en-US" altLang="zh-TW" dirty="0" err="1" smtClean="0"/>
+              <a:t>ol</a:t>
+            </a:r>
+            <a:r>
+              <a:rPr lang="zh-TW" altLang="en-US" dirty="0" smtClean="0"/>
+              <a:t>、</a:t>
+            </a:r>
+            <a:r>
+              <a:rPr lang="en-US" altLang="zh-TW" dirty="0" smtClean="0"/>
+              <a:t>table </a:t>
+            </a:r>
+            <a:r>
+              <a:rPr lang="zh-TW" altLang="en-US" dirty="0" smtClean="0"/>
+              <a:t>等標籤插入內容方式</a:t>
+            </a:r>
+            <a:r>
+              <a:rPr lang="en-US" altLang="zh-TW" dirty="0" smtClean="0"/>
+              <a:t> </a:t>
+            </a:r>
+            <a:endParaRPr lang="zh-TW" altLang="en-US" dirty="0"/>
           </a:p>
         </p:txBody>
       </p:sp>
@@ -5127,47 +5169,192 @@
           <a:p>
             <a:r>
               <a:rPr lang="zh-TW" altLang="en-US" dirty="0" smtClean="0"/>
-              <a:t>複利計算</a:t>
+              <a:t>呈現</a:t>
+            </a:r>
+            <a:r>
+              <a:rPr lang="en-US" altLang="zh-TW" dirty="0" smtClean="0"/>
+              <a:t>List </a:t>
+            </a:r>
+            <a:r>
+              <a:rPr lang="zh-TW" altLang="en-US" dirty="0" smtClean="0"/>
+              <a:t>條列資料</a:t>
             </a:r>
             <a:endParaRPr lang="en-US" altLang="zh-TW" dirty="0" smtClean="0"/>
           </a:p>
           <a:p>
-            <a:r>
-              <a:rPr lang="zh-TW" altLang="en-US" dirty="0" smtClean="0"/>
-              <a:t>下一年總金額 </a:t>
-            </a:r>
-            <a:r>
-              <a:rPr lang="en-US" altLang="zh-TW" dirty="0" smtClean="0"/>
-              <a:t>=</a:t>
-            </a:r>
-            <a:r>
-              <a:rPr lang="zh-TW" altLang="en-US" dirty="0" smtClean="0"/>
-              <a:t> 今年本金 *</a:t>
-            </a:r>
-            <a:r>
-              <a:rPr lang="en-US" altLang="zh-TW" dirty="0" smtClean="0"/>
-              <a:t>(1+</a:t>
-            </a:r>
-            <a:r>
-              <a:rPr lang="zh-TW" altLang="en-US" dirty="0" smtClean="0"/>
-              <a:t>年利率</a:t>
+            <a:pPr lvl="1"/>
+            <a:r>
+              <a:rPr lang="zh-TW" altLang="en-US" dirty="0" smtClean="0"/>
+              <a:t>在 </a:t>
+            </a:r>
+            <a:r>
+              <a:rPr lang="en-US" altLang="zh-TW" dirty="0" err="1" smtClean="0"/>
+              <a:t>ul</a:t>
+            </a:r>
+            <a:r>
+              <a:rPr lang="en-US" altLang="zh-TW" dirty="0" smtClean="0"/>
+              <a:t> or </a:t>
+            </a:r>
+            <a:r>
+              <a:rPr lang="en-US" altLang="zh-TW" dirty="0" err="1" smtClean="0"/>
+              <a:t>ol</a:t>
+            </a:r>
+            <a:r>
+              <a:rPr lang="en-US" altLang="zh-TW" dirty="0" smtClean="0"/>
+              <a:t> </a:t>
+            </a:r>
+            <a:r>
+              <a:rPr lang="zh-TW" altLang="en-US" dirty="0" smtClean="0"/>
+              <a:t>當中迴圈插入 </a:t>
+            </a:r>
+            <a:r>
+              <a:rPr lang="en-US" altLang="zh-TW" dirty="0" smtClean="0"/>
+              <a:t>li</a:t>
+            </a:r>
+            <a:r>
+              <a:rPr lang="zh-TW" altLang="en-US" dirty="0" smtClean="0"/>
+              <a:t> 標籤</a:t>
+            </a:r>
+            <a:endParaRPr lang="en-US" altLang="zh-TW" dirty="0" smtClean="0"/>
+          </a:p>
+          <a:p>
+            <a:pPr lvl="1"/>
+            <a:r>
+              <a:rPr lang="en-US" altLang="zh-TW" dirty="0" err="1" smtClean="0"/>
+              <a:t>ul</a:t>
+            </a:r>
+            <a:r>
+              <a:rPr lang="en-US" altLang="zh-TW" dirty="0" smtClean="0"/>
+              <a:t> </a:t>
+            </a:r>
+            <a:r>
+              <a:rPr lang="en-US" altLang="zh-TW" dirty="0" err="1" smtClean="0"/>
+              <a:t>ui</a:t>
+            </a:r>
+            <a:r>
+              <a:rPr lang="en-US" altLang="zh-TW" dirty="0" smtClean="0"/>
+              <a:t> </a:t>
+            </a:r>
+            <a:r>
+              <a:rPr lang="zh-TW" altLang="en-US" dirty="0" smtClean="0"/>
+              <a:t>標籤說明</a:t>
+            </a:r>
+            <a:endParaRPr lang="en-US" altLang="zh-TW" dirty="0" smtClean="0"/>
+          </a:p>
+          <a:p>
+            <a:pPr lvl="2"/>
+            <a:r>
+              <a:rPr lang="en-US" altLang="zh-TW" dirty="0"/>
+              <a:t>http://</a:t>
+            </a:r>
+            <a:r>
+              <a:rPr lang="en-US" altLang="zh-TW" dirty="0" err="1"/>
+              <a:t>www.wibibi.com</a:t>
+            </a:r>
+            <a:r>
+              <a:rPr lang="en-US" altLang="zh-TW" dirty="0"/>
+              <a:t>/</a:t>
+            </a:r>
+            <a:r>
+              <a:rPr lang="en-US" altLang="zh-TW" dirty="0" err="1"/>
+              <a:t>info.php?tid</a:t>
+            </a:r>
+            <a:r>
+              <a:rPr lang="en-US" altLang="zh-TW" dirty="0"/>
+              <a:t>=350</a:t>
+            </a:r>
+          </a:p>
+          <a:p>
+            <a:r>
+              <a:rPr lang="zh-TW" altLang="en-US" dirty="0" smtClean="0"/>
+              <a:t>呈現 </a:t>
+            </a:r>
+            <a:r>
+              <a:rPr lang="zh-TW" altLang="en-US" dirty="0" smtClean="0"/>
+              <a:t> </a:t>
+            </a:r>
+            <a:r>
+              <a:rPr lang="en-US" altLang="zh-TW" dirty="0" smtClean="0"/>
+              <a:t>table</a:t>
+            </a:r>
+            <a:r>
+              <a:rPr lang="zh-TW" altLang="en-US" dirty="0" smtClean="0"/>
+              <a:t> 資料</a:t>
+            </a:r>
+            <a:endParaRPr lang="en-US" altLang="zh-TW" dirty="0" smtClean="0"/>
+          </a:p>
+          <a:p>
+            <a:pPr lvl="1"/>
+            <a:r>
+              <a:rPr lang="zh-TW" altLang="en-US" dirty="0" smtClean="0"/>
+              <a:t>在 </a:t>
+            </a:r>
+            <a:r>
+              <a:rPr lang="en-US" altLang="zh-TW" dirty="0" smtClean="0"/>
+              <a:t>HTML</a:t>
+            </a:r>
+            <a:r>
+              <a:rPr lang="zh-TW" altLang="en-US" dirty="0" smtClean="0"/>
+              <a:t> </a:t>
+            </a:r>
+            <a:r>
+              <a:rPr lang="en-US" altLang="zh-TW" dirty="0" smtClean="0"/>
+              <a:t>table </a:t>
+            </a:r>
+            <a:r>
+              <a:rPr lang="zh-TW" altLang="en-US" dirty="0" smtClean="0"/>
+              <a:t>當中插入 </a:t>
+            </a:r>
+            <a:r>
+              <a:rPr lang="en-US" altLang="zh-TW" dirty="0" err="1" smtClean="0"/>
+              <a:t>tr</a:t>
+            </a:r>
+            <a:r>
+              <a:rPr lang="en-US" altLang="zh-TW" dirty="0" smtClean="0"/>
+              <a:t>(</a:t>
+            </a:r>
+            <a:r>
+              <a:rPr lang="zh-TW" altLang="en-US" dirty="0" smtClean="0"/>
+              <a:t>列</a:t>
             </a:r>
             <a:r>
               <a:rPr lang="en-US" altLang="zh-TW" dirty="0" smtClean="0"/>
               <a:t>)</a:t>
             </a:r>
-            <a:endParaRPr lang="en-US" altLang="zh-TW" dirty="0"/>
-          </a:p>
-          <a:p>
-            <a:pPr lvl="1"/>
-            <a:endParaRPr lang="zh-TW" altLang="en-US" dirty="0"/>
+            <a:r>
+              <a:rPr lang="zh-TW" altLang="en-US" dirty="0" smtClean="0"/>
+              <a:t>、</a:t>
+            </a:r>
+            <a:r>
+              <a:rPr lang="en-US" altLang="zh-TW" dirty="0" smtClean="0"/>
+              <a:t> td(</a:t>
+            </a:r>
+            <a:r>
+              <a:rPr lang="zh-TW" altLang="en-US" dirty="0" smtClean="0"/>
+              <a:t>格</a:t>
+            </a:r>
+            <a:r>
+              <a:rPr lang="en-US" altLang="zh-TW" dirty="0" smtClean="0"/>
+              <a:t>)</a:t>
+            </a:r>
+            <a:r>
+              <a:rPr lang="zh-TW" altLang="en-US" dirty="0" smtClean="0"/>
+              <a:t> 標籤</a:t>
+            </a:r>
+            <a:endParaRPr lang="en-US" altLang="zh-TW" dirty="0" smtClean="0"/>
+          </a:p>
+          <a:p>
+            <a:endParaRPr lang="en-US" altLang="zh-TW" dirty="0" smtClean="0"/>
+          </a:p>
+          <a:p>
+            <a:endParaRPr lang="en-US" altLang="zh-TW" dirty="0" smtClean="0"/>
           </a:p>
         </p:txBody>
       </p:sp>
     </p:spTree>
     <p:extLst>
       <p:ext uri="{BB962C8B-B14F-4D97-AF65-F5344CB8AC3E}">
-        <p14:creationId xmlns:p14="http://schemas.microsoft.com/office/powerpoint/2010/main" val="526152541"/>
+        <p14:creationId xmlns:p14="http://schemas.microsoft.com/office/powerpoint/2010/main" val="2521151976"/>
       </p:ext>
     </p:extLst>
   </p:cSld>
@@ -5203,104 +5390,52 @@
       </p:grpSpPr>
       <p:sp>
         <p:nvSpPr>
-          <p:cNvPr id="88066" name="Rectangle 2"/>
-          <p:cNvSpPr>
-            <a:spLocks noGrp="1" noChangeArrowheads="1"/>
+          <p:cNvPr id="2" name="標題 1"/>
+          <p:cNvSpPr>
+            <a:spLocks noGrp="1"/>
           </p:cNvSpPr>
           <p:nvPr>
             <p:ph type="title"/>
           </p:nvPr>
         </p:nvSpPr>
-        <p:spPr>
-          <a:xfrm>
-            <a:off x="395536" y="260648"/>
-            <a:ext cx="8183880" cy="1051560"/>
-          </a:xfrm>
-        </p:spPr>
+        <p:spPr/>
         <p:txBody>
           <a:bodyPr/>
           <a:lstStyle/>
           <a:p>
-            <a:r>
-              <a:rPr lang="zh-TW" altLang="en-US" dirty="0" smtClean="0"/>
-              <a:t>  </a:t>
-            </a:r>
-            <a:r>
-              <a:rPr lang="en-US" altLang="zh-TW" dirty="0" smtClean="0"/>
-              <a:t>for </a:t>
-            </a:r>
-            <a:r>
-              <a:rPr lang="zh-TW" altLang="en-US" dirty="0" smtClean="0"/>
-              <a:t>迴圈</a:t>
-            </a:r>
-            <a:r>
-              <a:rPr lang="zh-TW" altLang="en-US" dirty="0"/>
-              <a:t>入門範例</a:t>
-            </a:r>
-          </a:p>
-        </p:txBody>
-      </p:sp>
-      <p:sp>
-        <p:nvSpPr>
-          <p:cNvPr id="88067" name="Rectangle 3"/>
-          <p:cNvSpPr>
-            <a:spLocks noGrp="1" noChangeArrowheads="1"/>
-          </p:cNvSpPr>
-          <p:nvPr>
-            <p:ph type="body" idx="1"/>
-          </p:nvPr>
-        </p:nvSpPr>
-        <p:spPr>
-          <a:xfrm>
-            <a:off x="468313" y="1412875"/>
-            <a:ext cx="8229600" cy="2160141"/>
-          </a:xfrm>
-        </p:spPr>
-        <p:txBody>
-          <a:bodyPr>
-            <a:normAutofit/>
-          </a:bodyPr>
-          <a:lstStyle/>
-          <a:p>
-            <a:r>
-              <a:rPr lang="zh-TW" altLang="en-US" dirty="0" smtClean="0"/>
-              <a:t>產生 </a:t>
-            </a:r>
-            <a:r>
-              <a:rPr lang="en-US" altLang="zh-TW" dirty="0" smtClean="0"/>
-              <a:t>HTML</a:t>
-            </a:r>
-            <a:r>
-              <a:rPr lang="zh-TW" altLang="en-US" dirty="0" smtClean="0"/>
-              <a:t> </a:t>
-            </a:r>
-            <a:r>
-              <a:rPr lang="en-US" altLang="zh-TW" dirty="0" smtClean="0"/>
-              <a:t>table</a:t>
-            </a:r>
-          </a:p>
-          <a:p>
-            <a:endParaRPr lang="en-US" altLang="zh-TW" dirty="0" smtClean="0"/>
+            <a:endParaRPr lang="zh-TW" altLang="en-US"/>
+          </a:p>
+        </p:txBody>
+      </p:sp>
+      <p:sp>
+        <p:nvSpPr>
+          <p:cNvPr id="3" name="內容版面配置區 2"/>
+          <p:cNvSpPr>
+            <a:spLocks noGrp="1"/>
+          </p:cNvSpPr>
+          <p:nvPr>
+            <p:ph idx="1"/>
+          </p:nvPr>
+        </p:nvSpPr>
+        <p:spPr/>
+        <p:txBody>
+          <a:bodyPr/>
+          <a:lstStyle/>
+          <a:p>
+            <a:endParaRPr lang="zh-TW" altLang="en-US"/>
           </a:p>
         </p:txBody>
       </p:sp>
     </p:spTree>
     <p:extLst>
       <p:ext uri="{BB962C8B-B14F-4D97-AF65-F5344CB8AC3E}">
-        <p14:creationId xmlns:p14="http://schemas.microsoft.com/office/powerpoint/2010/main" val="3228470479"/>
+        <p14:creationId xmlns:p14="http://schemas.microsoft.com/office/powerpoint/2010/main" val="767297732"/>
       </p:ext>
     </p:extLst>
   </p:cSld>
   <p:clrMapOvr>
     <a:masterClrMapping/>
   </p:clrMapOvr>
-  <p:timing>
-    <p:tnLst>
-      <p:par>
-        <p:cTn id="1" dur="indefinite" restart="never" nodeType="tmRoot"/>
-      </p:par>
-    </p:tnLst>
-  </p:timing>
 </p:sld>
 </file>
 
@@ -5342,12 +5477,8 @@
           <a:lstStyle/>
           <a:p>
             <a:r>
-              <a:rPr lang="zh-TW" altLang="en-US" dirty="0" smtClean="0"/>
-              <a:t> 迴圈</a:t>
-            </a:r>
-            <a:r>
               <a:rPr lang="zh-TW" altLang="en-US" dirty="0"/>
-              <a:t>注意事項</a:t>
+              <a:t>參考資料</a:t>
             </a:r>
           </a:p>
         </p:txBody>
@@ -5374,104 +5505,6 @@
           </a:bodyPr>
           <a:lstStyle/>
           <a:p>
-            <a:r>
-              <a:rPr lang="zh-TW" altLang="en-US" dirty="0" smtClean="0"/>
-              <a:t>避免無窮迴圈，程式當掉</a:t>
-            </a:r>
-            <a:r>
-              <a:rPr lang="en-US" altLang="zh-TW" dirty="0" smtClean="0"/>
-              <a:t>!</a:t>
-            </a:r>
-            <a:endParaRPr lang="zh-TW" altLang="en-US" dirty="0"/>
-          </a:p>
-        </p:txBody>
-      </p:sp>
-    </p:spTree>
-    <p:extLst>
-      <p:ext uri="{BB962C8B-B14F-4D97-AF65-F5344CB8AC3E}">
-        <p14:creationId xmlns:p14="http://schemas.microsoft.com/office/powerpoint/2010/main" val="312027321"/>
-      </p:ext>
-    </p:extLst>
-  </p:cSld>
-  <p:clrMapOvr>
-    <a:masterClrMapping/>
-  </p:clrMapOvr>
-  <p:timing>
-    <p:tnLst>
-      <p:par>
-        <p:cTn id="1" dur="indefinite" restart="never" nodeType="tmRoot"/>
-      </p:par>
-    </p:tnLst>
-  </p:timing>
-</p:sld>
-</file>
-
-<file path=ppt/slides/slide9.xml><?xml version="1.0" encoding="utf-8"?>
-<p:sld xmlns:a="http://schemas.openxmlformats.org/drawingml/2006/main" xmlns:r="http://schemas.openxmlformats.org/officeDocument/2006/relationships" xmlns:p="http://schemas.openxmlformats.org/presentationml/2006/main">
-  <p:cSld>
-    <p:spTree>
-      <p:nvGrpSpPr>
-        <p:cNvPr id="1" name=""/>
-        <p:cNvGrpSpPr/>
-        <p:nvPr/>
-      </p:nvGrpSpPr>
-      <p:grpSpPr>
-        <a:xfrm>
-          <a:off x="0" y="0"/>
-          <a:ext cx="0" cy="0"/>
-          <a:chOff x="0" y="0"/>
-          <a:chExt cx="0" cy="0"/>
-        </a:xfrm>
-      </p:grpSpPr>
-      <p:sp>
-        <p:nvSpPr>
-          <p:cNvPr id="88066" name="Rectangle 2"/>
-          <p:cNvSpPr>
-            <a:spLocks noGrp="1" noChangeArrowheads="1"/>
-          </p:cNvSpPr>
-          <p:nvPr>
-            <p:ph type="title"/>
-          </p:nvPr>
-        </p:nvSpPr>
-        <p:spPr>
-          <a:xfrm>
-            <a:off x="395536" y="260648"/>
-            <a:ext cx="8183880" cy="1051560"/>
-          </a:xfrm>
-        </p:spPr>
-        <p:txBody>
-          <a:bodyPr/>
-          <a:lstStyle/>
-          <a:p>
-            <a:r>
-              <a:rPr lang="zh-TW" altLang="en-US" dirty="0"/>
-              <a:t>參考資料</a:t>
-            </a:r>
-          </a:p>
-        </p:txBody>
-      </p:sp>
-      <p:sp>
-        <p:nvSpPr>
-          <p:cNvPr id="88067" name="Rectangle 3"/>
-          <p:cNvSpPr>
-            <a:spLocks noGrp="1" noChangeArrowheads="1"/>
-          </p:cNvSpPr>
-          <p:nvPr>
-            <p:ph type="body" idx="1"/>
-          </p:nvPr>
-        </p:nvSpPr>
-        <p:spPr>
-          <a:xfrm>
-            <a:off x="468313" y="1412875"/>
-            <a:ext cx="8229600" cy="2160141"/>
-          </a:xfrm>
-        </p:spPr>
-        <p:txBody>
-          <a:bodyPr>
-            <a:normAutofit/>
-          </a:bodyPr>
-          <a:lstStyle/>
-          <a:p>
             <a:pPr lvl="1"/>
             <a:r>
               <a:rPr lang="en-US" altLang="zh-TW" dirty="0" smtClean="0">
@@ -5500,13 +5533,41 @@
           <a:p>
             <a:pPr lvl="1"/>
             <a:r>
-              <a:rPr lang="en-US" altLang="zh-TW"/>
+              <a:rPr lang="en-US" altLang="zh-TW" dirty="0"/>
               <a:t>https://</a:t>
             </a:r>
             <a:r>
-              <a:rPr lang="en-US" altLang="zh-TW" smtClean="0"/>
-              <a:t>www.w3schools.com/js/tryit.asp?filename=tryjs_while</a:t>
-            </a:r>
+              <a:rPr lang="en-US" altLang="zh-TW" dirty="0" err="1" smtClean="0"/>
+              <a:t>www.w3schools.com</a:t>
+            </a:r>
+            <a:r>
+              <a:rPr lang="en-US" altLang="zh-TW" dirty="0" smtClean="0"/>
+              <a:t>/</a:t>
+            </a:r>
+            <a:r>
+              <a:rPr lang="en-US" altLang="zh-TW" dirty="0" err="1" smtClean="0"/>
+              <a:t>js</a:t>
+            </a:r>
+            <a:r>
+              <a:rPr lang="en-US" altLang="zh-TW" dirty="0" smtClean="0"/>
+              <a:t>/</a:t>
+            </a:r>
+            <a:r>
+              <a:rPr lang="en-US" altLang="zh-TW" dirty="0" err="1" smtClean="0"/>
+              <a:t>tryit.asp?filename</a:t>
+            </a:r>
+            <a:r>
+              <a:rPr lang="en-US" altLang="zh-TW" dirty="0" smtClean="0"/>
+              <a:t>=</a:t>
+            </a:r>
+            <a:r>
+              <a:rPr lang="en-US" altLang="zh-TW" dirty="0" err="1" smtClean="0"/>
+              <a:t>tryjs_while</a:t>
+            </a:r>
+            <a:endParaRPr lang="en-US" altLang="zh-TW" dirty="0" smtClean="0"/>
+          </a:p>
+          <a:p>
+            <a:pPr lvl="1"/>
             <a:endParaRPr lang="en-US" altLang="zh-TW" dirty="0" smtClean="0"/>
           </a:p>
           <a:p>

--- a/JS_Basic/4_JSforLoop.pptx
+++ b/JS_Basic/4_JSforLoop.pptx
@@ -5,7 +5,7 @@
     <p:sldMasterId id="2147483648" r:id="rId1"/>
   </p:sldMasterIdLst>
   <p:notesMasterIdLst>
-    <p:notesMasterId r:id="rId10"/>
+    <p:notesMasterId r:id="rId8"/>
   </p:notesMasterIdLst>
   <p:sldIdLst>
     <p:sldId id="287" r:id="rId2"/>
@@ -13,9 +13,7 @@
     <p:sldId id="295" r:id="rId4"/>
     <p:sldId id="289" r:id="rId5"/>
     <p:sldId id="291" r:id="rId6"/>
-    <p:sldId id="297" r:id="rId7"/>
-    <p:sldId id="296" r:id="rId8"/>
-    <p:sldId id="293" r:id="rId9"/>
+    <p:sldId id="293" r:id="rId7"/>
   </p:sldIdLst>
   <p:sldSz cx="9144000" cy="6858000" type="screen4x3"/>
   <p:notesSz cx="6858000" cy="9144000"/>
@@ -199,7 +197,7 @@
           <a:p>
             <a:fld id="{73139663-B41A-4322-9FA5-32D776E297AB}" type="datetimeFigureOut">
               <a:rPr lang="zh-TW" altLang="en-US" smtClean="0"/>
-              <a:t>2019/3/27</a:t>
+              <a:t>2019/3/29</a:t>
             </a:fld>
             <a:endParaRPr lang="zh-TW" altLang="en-US"/>
           </a:p>
@@ -732,7 +730,7 @@
           <a:p>
             <a:fld id="{93FCF5C9-79AB-40FF-B23B-4ADA07998EAC}" type="datetime1">
               <a:rPr lang="zh-TW" altLang="en-US" smtClean="0"/>
-              <a:t>2019/3/27</a:t>
+              <a:t>2019/3/29</a:t>
             </a:fld>
             <a:endParaRPr lang="zh-TW" altLang="en-US"/>
           </a:p>
@@ -902,7 +900,7 @@
           <a:p>
             <a:fld id="{C15356CC-59C4-4A29-9700-F1B01FE0BDA6}" type="datetime1">
               <a:rPr lang="zh-TW" altLang="en-US" smtClean="0"/>
-              <a:t>2019/3/27</a:t>
+              <a:t>2019/3/29</a:t>
             </a:fld>
             <a:endParaRPr lang="zh-TW" altLang="en-US"/>
           </a:p>
@@ -1082,7 +1080,7 @@
           <a:p>
             <a:fld id="{9AE594C7-993D-4438-AA6F-CBE23DFB4270}" type="datetime1">
               <a:rPr lang="zh-TW" altLang="en-US" smtClean="0"/>
-              <a:t>2019/3/27</a:t>
+              <a:t>2019/3/29</a:t>
             </a:fld>
             <a:endParaRPr lang="zh-TW" altLang="en-US"/>
           </a:p>
@@ -1252,7 +1250,7 @@
           <a:p>
             <a:fld id="{D450D2CF-1167-43D6-909A-0C28B0F59C72}" type="datetime1">
               <a:rPr lang="zh-TW" altLang="en-US" smtClean="0"/>
-              <a:t>2019/3/27</a:t>
+              <a:t>2019/3/29</a:t>
             </a:fld>
             <a:endParaRPr lang="zh-TW" altLang="en-US"/>
           </a:p>
@@ -1505,7 +1503,7 @@
           <a:p>
             <a:fld id="{1C9A7FD2-AB59-4151-946A-CC608882B58E}" type="datetime1">
               <a:rPr lang="zh-TW" altLang="en-US" smtClean="0"/>
-              <a:t>2019/3/27</a:t>
+              <a:t>2019/3/29</a:t>
             </a:fld>
             <a:endParaRPr lang="zh-TW" altLang="en-US"/>
           </a:p>
@@ -1793,7 +1791,7 @@
           <a:p>
             <a:fld id="{D40BB12C-FF78-4F61-8FE6-616AC9AC73A7}" type="datetime1">
               <a:rPr lang="zh-TW" altLang="en-US" smtClean="0"/>
-              <a:t>2019/3/27</a:t>
+              <a:t>2019/3/29</a:t>
             </a:fld>
             <a:endParaRPr lang="zh-TW" altLang="en-US"/>
           </a:p>
@@ -2215,7 +2213,7 @@
           <a:p>
             <a:fld id="{AF7468AE-CE6D-47B8-9ACB-739E99C0A9C7}" type="datetime1">
               <a:rPr lang="zh-TW" altLang="en-US" smtClean="0"/>
-              <a:t>2019/3/27</a:t>
+              <a:t>2019/3/29</a:t>
             </a:fld>
             <a:endParaRPr lang="zh-TW" altLang="en-US"/>
           </a:p>
@@ -2333,7 +2331,7 @@
           <a:p>
             <a:fld id="{AD744EAB-4D85-41E6-9F62-245800E68770}" type="datetime1">
               <a:rPr lang="zh-TW" altLang="en-US" smtClean="0"/>
-              <a:t>2019/3/27</a:t>
+              <a:t>2019/3/29</a:t>
             </a:fld>
             <a:endParaRPr lang="zh-TW" altLang="en-US"/>
           </a:p>
@@ -2428,7 +2426,7 @@
           <a:p>
             <a:fld id="{CA6C9E1E-774D-4EAC-9D99-BE8865244E73}" type="datetime1">
               <a:rPr lang="zh-TW" altLang="en-US" smtClean="0"/>
-              <a:t>2019/3/27</a:t>
+              <a:t>2019/3/29</a:t>
             </a:fld>
             <a:endParaRPr lang="zh-TW" altLang="en-US"/>
           </a:p>
@@ -2705,7 +2703,7 @@
           <a:p>
             <a:fld id="{A6222D0A-CEA4-40AB-A293-7F7490CFFD26}" type="datetime1">
               <a:rPr lang="zh-TW" altLang="en-US" smtClean="0"/>
-              <a:t>2019/3/27</a:t>
+              <a:t>2019/3/29</a:t>
             </a:fld>
             <a:endParaRPr lang="zh-TW" altLang="en-US"/>
           </a:p>
@@ -2958,7 +2956,7 @@
           <a:p>
             <a:fld id="{633AEC37-E449-4919-BB29-FECB6FC261E4}" type="datetime1">
               <a:rPr lang="zh-TW" altLang="en-US" smtClean="0"/>
-              <a:t>2019/3/27</a:t>
+              <a:t>2019/3/29</a:t>
             </a:fld>
             <a:endParaRPr lang="zh-TW" altLang="en-US"/>
           </a:p>
@@ -3171,7 +3169,7 @@
           <a:p>
             <a:fld id="{D833F157-DD56-4172-ACB5-7841F7A4BD76}" type="datetime1">
               <a:rPr lang="zh-TW" altLang="en-US" smtClean="0"/>
-              <a:t>2019/3/27</a:t>
+              <a:t>2019/3/29</a:t>
             </a:fld>
             <a:endParaRPr lang="zh-TW" altLang="en-US"/>
           </a:p>
@@ -4824,11 +4822,7 @@
           <a:p>
             <a:r>
               <a:rPr lang="zh-TW" altLang="en-US" dirty="0" smtClean="0"/>
-              <a:t> </a:t>
-            </a:r>
-            <a:r>
-              <a:rPr lang="zh-TW" altLang="en-US" dirty="0" smtClean="0"/>
-              <a:t>迴圈與</a:t>
+              <a:t> 迴圈與</a:t>
             </a:r>
             <a:r>
               <a:rPr lang="en-US" altLang="zh-TW" dirty="0" smtClean="0"/>
@@ -4964,11 +4958,7 @@
           <a:p>
             <a:r>
               <a:rPr lang="zh-TW" altLang="en-US" dirty="0" smtClean="0"/>
-              <a:t>呈現 </a:t>
-            </a:r>
-            <a:r>
-              <a:rPr lang="zh-TW" altLang="en-US" dirty="0" smtClean="0"/>
-              <a:t> </a:t>
+              <a:t>呈現  </a:t>
             </a:r>
             <a:r>
               <a:rPr lang="en-US" altLang="zh-TW" dirty="0" smtClean="0"/>
@@ -5069,377 +5059,6 @@
 </file>
 
 <file path=ppt/slides/slide6.xml><?xml version="1.0" encoding="utf-8"?>
-<p:sld xmlns:a="http://schemas.openxmlformats.org/drawingml/2006/main" xmlns:r="http://schemas.openxmlformats.org/officeDocument/2006/relationships" xmlns:p="http://schemas.openxmlformats.org/presentationml/2006/main">
-  <p:cSld>
-    <p:spTree>
-      <p:nvGrpSpPr>
-        <p:cNvPr id="1" name=""/>
-        <p:cNvGrpSpPr/>
-        <p:nvPr/>
-      </p:nvGrpSpPr>
-      <p:grpSpPr>
-        <a:xfrm>
-          <a:off x="0" y="0"/>
-          <a:ext cx="0" cy="0"/>
-          <a:chOff x="0" y="0"/>
-          <a:chExt cx="0" cy="0"/>
-        </a:xfrm>
-      </p:grpSpPr>
-      <p:sp>
-        <p:nvSpPr>
-          <p:cNvPr id="88066" name="Rectangle 2"/>
-          <p:cNvSpPr>
-            <a:spLocks noGrp="1" noChangeArrowheads="1"/>
-          </p:cNvSpPr>
-          <p:nvPr>
-            <p:ph type="title"/>
-          </p:nvPr>
-        </p:nvSpPr>
-        <p:spPr>
-          <a:xfrm>
-            <a:off x="395536" y="260648"/>
-            <a:ext cx="8640960" cy="1051560"/>
-          </a:xfrm>
-        </p:spPr>
-        <p:txBody>
-          <a:bodyPr/>
-          <a:lstStyle/>
-          <a:p>
-            <a:r>
-              <a:rPr lang="zh-TW" altLang="en-US" dirty="0" smtClean="0"/>
-              <a:t> </a:t>
-            </a:r>
-            <a:r>
-              <a:rPr lang="en-US" altLang="zh-TW" dirty="0" err="1"/>
-              <a:t>ul</a:t>
-            </a:r>
-            <a:r>
-              <a:rPr lang="en-US" altLang="zh-TW" dirty="0"/>
-              <a:t> </a:t>
-            </a:r>
-            <a:r>
-              <a:rPr lang="zh-TW" altLang="en-US" dirty="0" smtClean="0"/>
-              <a:t>、</a:t>
-            </a:r>
-            <a:r>
-              <a:rPr lang="en-US" altLang="zh-TW" dirty="0" err="1" smtClean="0"/>
-              <a:t>ol</a:t>
-            </a:r>
-            <a:r>
-              <a:rPr lang="zh-TW" altLang="en-US" dirty="0" smtClean="0"/>
-              <a:t>、</a:t>
-            </a:r>
-            <a:r>
-              <a:rPr lang="en-US" altLang="zh-TW" dirty="0" smtClean="0"/>
-              <a:t>table </a:t>
-            </a:r>
-            <a:r>
-              <a:rPr lang="zh-TW" altLang="en-US" dirty="0" smtClean="0"/>
-              <a:t>等標籤插入內容方式</a:t>
-            </a:r>
-            <a:r>
-              <a:rPr lang="en-US" altLang="zh-TW" dirty="0" smtClean="0"/>
-              <a:t> </a:t>
-            </a:r>
-            <a:endParaRPr lang="zh-TW" altLang="en-US" dirty="0"/>
-          </a:p>
-        </p:txBody>
-      </p:sp>
-      <p:sp>
-        <p:nvSpPr>
-          <p:cNvPr id="88067" name="Rectangle 3"/>
-          <p:cNvSpPr>
-            <a:spLocks noGrp="1" noChangeArrowheads="1"/>
-          </p:cNvSpPr>
-          <p:nvPr>
-            <p:ph type="body" idx="1"/>
-          </p:nvPr>
-        </p:nvSpPr>
-        <p:spPr>
-          <a:xfrm>
-            <a:off x="468313" y="1412875"/>
-            <a:ext cx="8229600" cy="2160141"/>
-          </a:xfrm>
-        </p:spPr>
-        <p:txBody>
-          <a:bodyPr>
-            <a:normAutofit/>
-          </a:bodyPr>
-          <a:lstStyle/>
-          <a:p>
-            <a:r>
-              <a:rPr lang="zh-TW" altLang="en-US" dirty="0" smtClean="0"/>
-              <a:t>呈現</a:t>
-            </a:r>
-            <a:r>
-              <a:rPr lang="en-US" altLang="zh-TW" dirty="0" smtClean="0"/>
-              <a:t>List </a:t>
-            </a:r>
-            <a:r>
-              <a:rPr lang="zh-TW" altLang="en-US" dirty="0" smtClean="0"/>
-              <a:t>條列資料</a:t>
-            </a:r>
-            <a:endParaRPr lang="en-US" altLang="zh-TW" dirty="0" smtClean="0"/>
-          </a:p>
-          <a:p>
-            <a:pPr lvl="1"/>
-            <a:r>
-              <a:rPr lang="zh-TW" altLang="en-US" dirty="0" smtClean="0"/>
-              <a:t>在 </a:t>
-            </a:r>
-            <a:r>
-              <a:rPr lang="en-US" altLang="zh-TW" dirty="0" err="1" smtClean="0"/>
-              <a:t>ul</a:t>
-            </a:r>
-            <a:r>
-              <a:rPr lang="en-US" altLang="zh-TW" dirty="0" smtClean="0"/>
-              <a:t> or </a:t>
-            </a:r>
-            <a:r>
-              <a:rPr lang="en-US" altLang="zh-TW" dirty="0" err="1" smtClean="0"/>
-              <a:t>ol</a:t>
-            </a:r>
-            <a:r>
-              <a:rPr lang="en-US" altLang="zh-TW" dirty="0" smtClean="0"/>
-              <a:t> </a:t>
-            </a:r>
-            <a:r>
-              <a:rPr lang="zh-TW" altLang="en-US" dirty="0" smtClean="0"/>
-              <a:t>當中迴圈插入 </a:t>
-            </a:r>
-            <a:r>
-              <a:rPr lang="en-US" altLang="zh-TW" dirty="0" smtClean="0"/>
-              <a:t>li</a:t>
-            </a:r>
-            <a:r>
-              <a:rPr lang="zh-TW" altLang="en-US" dirty="0" smtClean="0"/>
-              <a:t> 標籤</a:t>
-            </a:r>
-            <a:endParaRPr lang="en-US" altLang="zh-TW" dirty="0" smtClean="0"/>
-          </a:p>
-          <a:p>
-            <a:pPr lvl="1"/>
-            <a:r>
-              <a:rPr lang="en-US" altLang="zh-TW" dirty="0" err="1" smtClean="0"/>
-              <a:t>ul</a:t>
-            </a:r>
-            <a:r>
-              <a:rPr lang="en-US" altLang="zh-TW" dirty="0" smtClean="0"/>
-              <a:t> </a:t>
-            </a:r>
-            <a:r>
-              <a:rPr lang="en-US" altLang="zh-TW" dirty="0" err="1" smtClean="0"/>
-              <a:t>ui</a:t>
-            </a:r>
-            <a:r>
-              <a:rPr lang="en-US" altLang="zh-TW" dirty="0" smtClean="0"/>
-              <a:t> </a:t>
-            </a:r>
-            <a:r>
-              <a:rPr lang="zh-TW" altLang="en-US" dirty="0" smtClean="0"/>
-              <a:t>標籤說明</a:t>
-            </a:r>
-            <a:endParaRPr lang="en-US" altLang="zh-TW" dirty="0" smtClean="0"/>
-          </a:p>
-          <a:p>
-            <a:pPr lvl="2"/>
-            <a:r>
-              <a:rPr lang="en-US" altLang="zh-TW" dirty="0"/>
-              <a:t>http://</a:t>
-            </a:r>
-            <a:r>
-              <a:rPr lang="en-US" altLang="zh-TW" dirty="0" err="1"/>
-              <a:t>www.wibibi.com</a:t>
-            </a:r>
-            <a:r>
-              <a:rPr lang="en-US" altLang="zh-TW" dirty="0"/>
-              <a:t>/</a:t>
-            </a:r>
-            <a:r>
-              <a:rPr lang="en-US" altLang="zh-TW" dirty="0" err="1"/>
-              <a:t>info.php?tid</a:t>
-            </a:r>
-            <a:r>
-              <a:rPr lang="en-US" altLang="zh-TW" dirty="0"/>
-              <a:t>=350</a:t>
-            </a:r>
-          </a:p>
-          <a:p>
-            <a:r>
-              <a:rPr lang="zh-TW" altLang="en-US" dirty="0" smtClean="0"/>
-              <a:t>呈現 </a:t>
-            </a:r>
-            <a:r>
-              <a:rPr lang="zh-TW" altLang="en-US" dirty="0" smtClean="0"/>
-              <a:t> </a:t>
-            </a:r>
-            <a:r>
-              <a:rPr lang="en-US" altLang="zh-TW" dirty="0" smtClean="0"/>
-              <a:t>table</a:t>
-            </a:r>
-            <a:r>
-              <a:rPr lang="zh-TW" altLang="en-US" dirty="0" smtClean="0"/>
-              <a:t> 資料</a:t>
-            </a:r>
-            <a:endParaRPr lang="en-US" altLang="zh-TW" dirty="0" smtClean="0"/>
-          </a:p>
-          <a:p>
-            <a:pPr lvl="1"/>
-            <a:r>
-              <a:rPr lang="zh-TW" altLang="en-US" dirty="0" smtClean="0"/>
-              <a:t>在 </a:t>
-            </a:r>
-            <a:r>
-              <a:rPr lang="en-US" altLang="zh-TW" dirty="0" smtClean="0"/>
-              <a:t>HTML</a:t>
-            </a:r>
-            <a:r>
-              <a:rPr lang="zh-TW" altLang="en-US" dirty="0" smtClean="0"/>
-              <a:t> </a:t>
-            </a:r>
-            <a:r>
-              <a:rPr lang="en-US" altLang="zh-TW" dirty="0" smtClean="0"/>
-              <a:t>table </a:t>
-            </a:r>
-            <a:r>
-              <a:rPr lang="zh-TW" altLang="en-US" dirty="0" smtClean="0"/>
-              <a:t>當中插入 </a:t>
-            </a:r>
-            <a:r>
-              <a:rPr lang="en-US" altLang="zh-TW" dirty="0" err="1" smtClean="0"/>
-              <a:t>tr</a:t>
-            </a:r>
-            <a:r>
-              <a:rPr lang="en-US" altLang="zh-TW" dirty="0" smtClean="0"/>
-              <a:t>(</a:t>
-            </a:r>
-            <a:r>
-              <a:rPr lang="zh-TW" altLang="en-US" dirty="0" smtClean="0"/>
-              <a:t>列</a:t>
-            </a:r>
-            <a:r>
-              <a:rPr lang="en-US" altLang="zh-TW" dirty="0" smtClean="0"/>
-              <a:t>)</a:t>
-            </a:r>
-            <a:r>
-              <a:rPr lang="zh-TW" altLang="en-US" dirty="0" smtClean="0"/>
-              <a:t>、</a:t>
-            </a:r>
-            <a:r>
-              <a:rPr lang="en-US" altLang="zh-TW" dirty="0" smtClean="0"/>
-              <a:t> td(</a:t>
-            </a:r>
-            <a:r>
-              <a:rPr lang="zh-TW" altLang="en-US" dirty="0" smtClean="0"/>
-              <a:t>格</a:t>
-            </a:r>
-            <a:r>
-              <a:rPr lang="en-US" altLang="zh-TW" dirty="0" smtClean="0"/>
-              <a:t>)</a:t>
-            </a:r>
-            <a:r>
-              <a:rPr lang="zh-TW" altLang="en-US" dirty="0" smtClean="0"/>
-              <a:t> 標籤</a:t>
-            </a:r>
-            <a:endParaRPr lang="en-US" altLang="zh-TW" dirty="0" smtClean="0"/>
-          </a:p>
-          <a:p>
-            <a:endParaRPr lang="en-US" altLang="zh-TW" dirty="0" smtClean="0"/>
-          </a:p>
-          <a:p>
-            <a:endParaRPr lang="en-US" altLang="zh-TW" dirty="0" smtClean="0"/>
-          </a:p>
-        </p:txBody>
-      </p:sp>
-    </p:spTree>
-    <p:extLst>
-      <p:ext uri="{BB962C8B-B14F-4D97-AF65-F5344CB8AC3E}">
-        <p14:creationId xmlns:p14="http://schemas.microsoft.com/office/powerpoint/2010/main" val="2521151976"/>
-      </p:ext>
-    </p:extLst>
-  </p:cSld>
-  <p:clrMapOvr>
-    <a:masterClrMapping/>
-  </p:clrMapOvr>
-  <p:timing>
-    <p:tnLst>
-      <p:par>
-        <p:cTn id="1" dur="indefinite" restart="never" nodeType="tmRoot"/>
-      </p:par>
-    </p:tnLst>
-  </p:timing>
-</p:sld>
-</file>
-
-<file path=ppt/slides/slide7.xml><?xml version="1.0" encoding="utf-8"?>
-<p:sld xmlns:a="http://schemas.openxmlformats.org/drawingml/2006/main" xmlns:r="http://schemas.openxmlformats.org/officeDocument/2006/relationships" xmlns:p="http://schemas.openxmlformats.org/presentationml/2006/main">
-  <p:cSld>
-    <p:spTree>
-      <p:nvGrpSpPr>
-        <p:cNvPr id="1" name=""/>
-        <p:cNvGrpSpPr/>
-        <p:nvPr/>
-      </p:nvGrpSpPr>
-      <p:grpSpPr>
-        <a:xfrm>
-          <a:off x="0" y="0"/>
-          <a:ext cx="0" cy="0"/>
-          <a:chOff x="0" y="0"/>
-          <a:chExt cx="0" cy="0"/>
-        </a:xfrm>
-      </p:grpSpPr>
-      <p:sp>
-        <p:nvSpPr>
-          <p:cNvPr id="2" name="標題 1"/>
-          <p:cNvSpPr>
-            <a:spLocks noGrp="1"/>
-          </p:cNvSpPr>
-          <p:nvPr>
-            <p:ph type="title"/>
-          </p:nvPr>
-        </p:nvSpPr>
-        <p:spPr/>
-        <p:txBody>
-          <a:bodyPr/>
-          <a:lstStyle/>
-          <a:p>
-            <a:endParaRPr lang="zh-TW" altLang="en-US"/>
-          </a:p>
-        </p:txBody>
-      </p:sp>
-      <p:sp>
-        <p:nvSpPr>
-          <p:cNvPr id="3" name="內容版面配置區 2"/>
-          <p:cNvSpPr>
-            <a:spLocks noGrp="1"/>
-          </p:cNvSpPr>
-          <p:nvPr>
-            <p:ph idx="1"/>
-          </p:nvPr>
-        </p:nvSpPr>
-        <p:spPr/>
-        <p:txBody>
-          <a:bodyPr/>
-          <a:lstStyle/>
-          <a:p>
-            <a:endParaRPr lang="zh-TW" altLang="en-US"/>
-          </a:p>
-        </p:txBody>
-      </p:sp>
-    </p:spTree>
-    <p:extLst>
-      <p:ext uri="{BB962C8B-B14F-4D97-AF65-F5344CB8AC3E}">
-        <p14:creationId xmlns:p14="http://schemas.microsoft.com/office/powerpoint/2010/main" val="767297732"/>
-      </p:ext>
-    </p:extLst>
-  </p:cSld>
-  <p:clrMapOvr>
-    <a:masterClrMapping/>
-  </p:clrMapOvr>
-</p:sld>
-</file>
-
-<file path=ppt/slides/slide8.xml><?xml version="1.0" encoding="utf-8"?>
 <p:sld xmlns:a="http://schemas.openxmlformats.org/drawingml/2006/main" xmlns:r="http://schemas.openxmlformats.org/officeDocument/2006/relationships" xmlns:p="http://schemas.openxmlformats.org/presentationml/2006/main">
   <p:cSld>
     <p:spTree>
